--- a/2015-11-17_Locality-Driven Dynamic GPU Cache Bypassing/Locality-Driven Dynamic GPU Cache Bypassing.pptx
+++ b/2015-11-17_Locality-Driven Dynamic GPU Cache Bypassing/Locality-Driven Dynamic GPU Cache Bypassing.pptx
@@ -722,7 +722,7 @@
           <a:p>
             <a:fld id="{DB897DD4-6371-4BB5-8838-9210C3B17974}" type="datetimeFigureOut">
               <a:rPr lang="zh-CN" altLang="en-US" smtClean="0"/>
-              <a:t>2015/11/16</a:t>
+              <a:t>2016/4/19</a:t>
             </a:fld>
             <a:endParaRPr lang="zh-CN" altLang="en-US"/>
           </a:p>
@@ -916,7 +916,7 @@
           <a:p>
             <a:fld id="{DB897DD4-6371-4BB5-8838-9210C3B17974}" type="datetimeFigureOut">
               <a:rPr lang="zh-CN" altLang="en-US" smtClean="0"/>
-              <a:t>2015/11/16</a:t>
+              <a:t>2016/4/19</a:t>
             </a:fld>
             <a:endParaRPr lang="zh-CN" altLang="en-US"/>
           </a:p>
@@ -21483,11 +21483,7 @@
           <a:p>
             <a:r>
               <a:rPr lang="en-US" altLang="zh-CN" sz="2800" dirty="0" smtClean="0"/>
-              <a:t>CBWT </a:t>
-            </a:r>
-            <a:r>
-              <a:rPr lang="en-US" altLang="zh-CN" sz="2800" dirty="0" smtClean="0"/>
-              <a:t>review</a:t>
+              <a:t>CBWT review</a:t>
             </a:r>
           </a:p>
           <a:p>
@@ -23525,17 +23521,7 @@
                 <a:latin typeface="Times New Roman" panose="02020603050405020304" pitchFamily="18" charset="0"/>
                 <a:cs typeface="Times New Roman" panose="02020603050405020304" pitchFamily="18" charset="0"/>
               </a:rPr>
-              <a:t>                             </a:t>
-            </a:r>
-            <a:r>
-              <a:rPr lang="en-US" altLang="zh-CN" sz="2800" dirty="0" smtClean="0">
-                <a:solidFill>
-                  <a:schemeClr val="bg1"/>
-                </a:solidFill>
-                <a:latin typeface="Times New Roman" panose="02020603050405020304" pitchFamily="18" charset="0"/>
-                <a:cs typeface="Times New Roman" panose="02020603050405020304" pitchFamily="18" charset="0"/>
-              </a:rPr>
-              <a:t>distances </a:t>
+              <a:t>                             distances </a:t>
             </a:r>
             <a:r>
               <a:rPr lang="en-US" altLang="zh-CN" sz="2800" dirty="0">
@@ -23761,17 +23747,7 @@
                 <a:latin typeface="Times New Roman" panose="02020603050405020304" pitchFamily="18" charset="0"/>
                 <a:cs typeface="Times New Roman" panose="02020603050405020304" pitchFamily="18" charset="0"/>
               </a:rPr>
-              <a:t>Bypass </a:t>
-            </a:r>
-            <a:r>
-              <a:rPr lang="en-US" altLang="zh-CN" sz="2800" b="1" dirty="0" smtClean="0">
-                <a:solidFill>
-                  <a:schemeClr val="tx1"/>
-                </a:solidFill>
-                <a:latin typeface="Times New Roman" panose="02020603050405020304" pitchFamily="18" charset="0"/>
-                <a:cs typeface="Times New Roman" panose="02020603050405020304" pitchFamily="18" charset="0"/>
-              </a:rPr>
-              <a:t>path</a:t>
+              <a:t>Bypass path</a:t>
             </a:r>
             <a:endParaRPr lang="zh-CN" altLang="en-US" sz="2800" b="1" dirty="0">
               <a:solidFill>
